--- a/assets/Bootstrap.pptx
+++ b/assets/Bootstrap.pptx
@@ -222,7 +222,7 @@
           <a:p>
             <a:fld id="{456FB012-E420-4B95-AE63-A8D98F1E9FF8}" type="datetime1">
               <a:rPr lang="es-ES" smtClean="0"/>
-              <a:t>28/04/2022</a:t>
+              <a:t>01/05/2022</a:t>
             </a:fld>
             <a:endParaRPr lang="es-ES" dirty="0"/>
           </a:p>
@@ -390,7 +390,7 @@
             <a:pPr rtl="0"/>
             <a:fld id="{2BEC11F6-780B-4A70-BC74-0ABACE79CAA5}" type="datetime1">
               <a:rPr lang="es-ES" noProof="0" smtClean="0"/>
-              <a:t>28/04/2022</a:t>
+              <a:t>01/05/2022</a:t>
             </a:fld>
             <a:endParaRPr lang="es-ES" noProof="0" dirty="0"/>
           </a:p>
@@ -3689,7 +3689,7 @@
             <a:pPr rtl="0"/>
             <a:fld id="{931C7952-479D-4D4B-8F19-C6026F510D9E}" type="datetime1">
               <a:rPr lang="es-ES" noProof="0" smtClean="0"/>
-              <a:t>28/04/2022</a:t>
+              <a:t>01/05/2022</a:t>
             </a:fld>
             <a:endParaRPr lang="es-ES" noProof="0" dirty="0"/>
           </a:p>
@@ -3999,7 +3999,7 @@
             <a:pPr rtl="0"/>
             <a:fld id="{74758912-430E-46D1-BA95-7CF218A879F9}" type="datetime1">
               <a:rPr lang="es-ES" noProof="0" smtClean="0"/>
-              <a:t>28/04/2022</a:t>
+              <a:t>01/05/2022</a:t>
             </a:fld>
             <a:endParaRPr lang="es-ES" noProof="0" dirty="0"/>
           </a:p>
@@ -4197,7 +4197,7 @@
             <a:pPr rtl="0"/>
             <a:fld id="{83D604E1-623C-4365-B688-201238FB20C0}" type="datetime1">
               <a:rPr lang="es-ES" noProof="0" smtClean="0"/>
-              <a:t>28/04/2022</a:t>
+              <a:t>01/05/2022</a:t>
             </a:fld>
             <a:endParaRPr lang="es-ES" noProof="0" dirty="0"/>
           </a:p>
@@ -4464,7 +4464,7 @@
             <a:pPr rtl="0"/>
             <a:fld id="{86ADFC75-E87D-46C2-9102-15C11F0259DB}" type="datetime1">
               <a:rPr lang="es-ES" noProof="0" smtClean="0"/>
-              <a:t>28/04/2022</a:t>
+              <a:t>01/05/2022</a:t>
             </a:fld>
             <a:endParaRPr lang="es-ES" noProof="0" dirty="0"/>
           </a:p>
@@ -4904,7 +4904,7 @@
             <a:pPr rtl="0"/>
             <a:fld id="{12E54EC6-1219-49EE-8B80-3C24DE8E5A44}" type="datetime1">
               <a:rPr lang="es-ES" noProof="0" smtClean="0"/>
-              <a:t>28/04/2022</a:t>
+              <a:t>01/05/2022</a:t>
             </a:fld>
             <a:endParaRPr lang="es-ES" noProof="0" dirty="0"/>
           </a:p>
@@ -5445,7 +5445,7 @@
             <a:pPr rtl="0"/>
             <a:fld id="{B94DCC15-8F35-48A3-948F-896E04D77AE9}" type="datetime1">
               <a:rPr lang="es-ES" noProof="0" smtClean="0"/>
-              <a:t>28/04/2022</a:t>
+              <a:t>01/05/2022</a:t>
             </a:fld>
             <a:endParaRPr lang="es-ES" noProof="0" dirty="0"/>
           </a:p>
@@ -6334,7 +6334,7 @@
             <a:pPr rtl="0"/>
             <a:fld id="{3776F276-4198-468B-A622-B7B7E3766911}" type="datetime1">
               <a:rPr lang="es-ES" noProof="0" smtClean="0"/>
-              <a:t>28/04/2022</a:t>
+              <a:t>01/05/2022</a:t>
             </a:fld>
             <a:endParaRPr lang="es-ES" noProof="0" dirty="0"/>
           </a:p>
@@ -6508,7 +6508,7 @@
             <a:pPr rtl="0"/>
             <a:fld id="{FD5F9175-B10B-4641-995C-12E45A3F36CD}" type="datetime1">
               <a:rPr lang="es-ES" noProof="0" smtClean="0"/>
-              <a:t>28/04/2022</a:t>
+              <a:t>01/05/2022</a:t>
             </a:fld>
             <a:endParaRPr lang="es-ES" noProof="0" dirty="0"/>
           </a:p>
@@ -6756,7 +6756,7 @@
             <a:pPr rtl="0"/>
             <a:fld id="{84CEA549-D5CD-4EAF-92DD-F120BAE2B00B}" type="datetime1">
               <a:rPr lang="es-ES" noProof="0" smtClean="0"/>
-              <a:t>28/04/2022</a:t>
+              <a:t>01/05/2022</a:t>
             </a:fld>
             <a:endParaRPr lang="es-ES" noProof="0" dirty="0"/>
           </a:p>
@@ -7002,7 +7002,7 @@
             <a:pPr rtl="0"/>
             <a:fld id="{709D2F8E-7231-4034-8D2D-3DE6DA3442B3}" type="datetime1">
               <a:rPr lang="es-ES" noProof="0" smtClean="0"/>
-              <a:t>28/04/2022</a:t>
+              <a:t>01/05/2022</a:t>
             </a:fld>
             <a:endParaRPr lang="es-ES" noProof="0" dirty="0"/>
           </a:p>
@@ -7489,7 +7489,7 @@
             <a:pPr rtl="0"/>
             <a:fld id="{39E704EA-5CB1-494A-9524-E0FAE6BBE6C4}" type="datetime1">
               <a:rPr lang="es-ES" noProof="0" smtClean="0"/>
-              <a:t>28/04/2022</a:t>
+              <a:t>01/05/2022</a:t>
             </a:fld>
             <a:endParaRPr lang="es-ES" noProof="0" dirty="0"/>
           </a:p>
@@ -7611,7 +7611,7 @@
             <a:pPr rtl="0"/>
             <a:fld id="{EE842E49-C804-4EEC-9941-A438EC0B005D}" type="datetime1">
               <a:rPr lang="es-ES" noProof="0" smtClean="0"/>
-              <a:t>28/04/2022</a:t>
+              <a:t>01/05/2022</a:t>
             </a:fld>
             <a:endParaRPr lang="es-ES" noProof="0" dirty="0"/>
           </a:p>
@@ -7709,7 +7709,7 @@
             <a:pPr rtl="0"/>
             <a:fld id="{10CB7135-DC88-46C5-8577-B4652D9D518F}" type="datetime1">
               <a:rPr lang="es-ES" noProof="0" smtClean="0"/>
-              <a:t>28/04/2022</a:t>
+              <a:t>01/05/2022</a:t>
             </a:fld>
             <a:endParaRPr lang="es-ES" noProof="0" dirty="0"/>
           </a:p>
@@ -7968,7 +7968,7 @@
             <a:pPr rtl="0"/>
             <a:fld id="{DB0BDDAF-5FB4-4645-B812-33656A6F2B85}" type="datetime1">
               <a:rPr lang="es-ES" noProof="0" smtClean="0"/>
-              <a:t>28/04/2022</a:t>
+              <a:t>01/05/2022</a:t>
             </a:fld>
             <a:endParaRPr lang="es-ES" noProof="0" dirty="0"/>
           </a:p>
@@ -8280,7 +8280,7 @@
             <a:pPr rtl="0"/>
             <a:fld id="{C43182DB-EE2B-4FEC-B9F5-C787A05118D2}" type="datetime1">
               <a:rPr lang="es-ES" noProof="0" smtClean="0"/>
-              <a:t>28/04/2022</a:t>
+              <a:t>01/05/2022</a:t>
             </a:fld>
             <a:endParaRPr lang="es-ES" noProof="0" dirty="0"/>
           </a:p>
@@ -8516,7 +8516,7 @@
             <a:pPr rtl="0"/>
             <a:fld id="{7305C6AA-9D71-4080-8813-13E932244C60}" type="datetime1">
               <a:rPr lang="es-ES" noProof="0" smtClean="0"/>
-              <a:t>28/04/2022</a:t>
+              <a:t>01/05/2022</a:t>
             </a:fld>
             <a:endParaRPr lang="es-ES" noProof="0" dirty="0"/>
           </a:p>
@@ -9436,7 +9436,7 @@
           </a:effectLst>
           <a:extLst>
             <a:ext uri="{91240B29-F687-4f45-9708-019B960494DF}">
-              <a14:hiddenLine xmlns="" xmlns:a14="http://schemas.microsoft.com/office/drawing/2010/main" xmlns:a16="http://schemas.microsoft.com/office/drawing/2014/main" xmlns:p14="http://schemas.microsoft.com/office/powerpoint/2010/main" w="9525">
+              <a14:hiddenLine xmlns:p14="http://schemas.microsoft.com/office/powerpoint/2010/main" xmlns:a16="http://schemas.microsoft.com/office/drawing/2014/main" xmlns:a14="http://schemas.microsoft.com/office/drawing/2010/main" xmlns="" w="9525">
                 <a:solidFill>
                   <a:srgbClr val="000000"/>
                 </a:solidFill>
@@ -10938,6 +10938,80 @@
                 <a:latin typeface="Arial" panose="020B0604020202020204" pitchFamily="34" charset="0"/>
               </a:rPr>
               <a:t>¿Hay muchos tipos de diseños en Bootstrap? Si los hay, explícalos</a:t>
+            </a:r>
+          </a:p>
+        </p:txBody>
+      </p:sp>
+      <p:sp>
+        <p:nvSpPr>
+          <p:cNvPr id="5" name="CuadroTexto 4">
+            <a:extLst>
+              <a:ext uri="{FF2B5EF4-FFF2-40B4-BE49-F238E27FC236}">
+                <a16:creationId xmlns:a16="http://schemas.microsoft.com/office/drawing/2014/main" id="{7A25D5E5-45C0-CE3C-4A81-EE2D2504FC30}"/>
+              </a:ext>
+            </a:extLst>
+          </p:cNvPr>
+          <p:cNvSpPr txBox="1"/>
+          <p:nvPr/>
+        </p:nvSpPr>
+        <p:spPr>
+          <a:xfrm>
+            <a:off x="6323161" y="1162031"/>
+            <a:ext cx="5732479" cy="5355312"/>
+          </a:xfrm>
+          <a:prstGeom prst="rect">
+            <a:avLst/>
+          </a:prstGeom>
+          <a:noFill/>
+        </p:spPr>
+        <p:txBody>
+          <a:bodyPr wrap="square">
+            <a:spAutoFit/>
+          </a:bodyPr>
+          <a:lstStyle/>
+          <a:p>
+            <a:r>
+              <a:rPr lang="es-ES" dirty="0"/>
+              <a:t>Hay dos diseños principales para Bootstrap que son Diseño fluido y Diseño fijo. </a:t>
+            </a:r>
+          </a:p>
+          <a:p>
+            <a:endParaRPr lang="es-ES" dirty="0"/>
+          </a:p>
+          <a:p>
+            <a:r>
+              <a:rPr lang="es-ES" dirty="0"/>
+              <a:t>    Fluid-</a:t>
+            </a:r>
+            <a:r>
+              <a:rPr lang="es-ES" dirty="0" err="1"/>
+              <a:t>layout</a:t>
+            </a:r>
+            <a:r>
+              <a:rPr lang="es-ES" dirty="0"/>
+              <a:t> : utiliza la clase </a:t>
+            </a:r>
+            <a:r>
+              <a:rPr lang="es-ES" dirty="0" err="1"/>
+              <a:t>bootstrap</a:t>
+            </a:r>
+            <a:r>
+              <a:rPr lang="es-ES" dirty="0"/>
+              <a:t> .container-fluid para el diseño. Este diseño utiliza valores proporcionales como unidades de medida para un bloque de contenido, imágenes o cualquier otro elemento. Se utiliza para crear un elemento que sea 100% más ancho y cubra todos los anchos de pantalla. El diseño fluido cambia continuamente de tamaño a medida que cambia el ancho de su navegador en cualquier cantidad, sin dejar ningún espacio vacío adicional en los lados. Por lo tanto, se denomina "diseño fluido".</a:t>
+            </a:r>
+          </a:p>
+          <a:p>
+            <a:r>
+              <a:rPr lang="es-ES" dirty="0"/>
+              <a:t>    Diseño fijo : utiliza la clase </a:t>
+            </a:r>
+            <a:r>
+              <a:rPr lang="es-ES" dirty="0" err="1"/>
+              <a:t>bootstrap</a:t>
+            </a:r>
+            <a:r>
+              <a:rPr lang="es-ES" dirty="0"/>
+              <a:t> .container para el diseño. El diseño fijo tiene valores de ancho de píxel específicos que cambian su valor de ancho con la ayuda de consultas de medios. Proporciona un contenedor receptivo de ancho fijo. El diseño fijo cambia de tamaño en trozos en varios anchos determinados a medida que se especifican los valores de píxeles.</a:t>
             </a:r>
           </a:p>
         </p:txBody>
@@ -18102,12 +18176,12 @@
 </file>
 
 <file path=customXml/item1.xml><?xml version="1.0" encoding="utf-8"?>
-<?mso-contentType ?>
-<FormTemplates xmlns="http://schemas.microsoft.com/sharepoint/v3/contenttype/forms">
-  <Display>DocumentLibraryForm</Display>
-  <Edit>DocumentLibraryForm</Edit>
-  <New>DocumentLibraryForm</New>
-</FormTemplates>
+<p:properties xmlns:p="http://schemas.microsoft.com/office/2006/metadata/properties" xmlns:xsi="http://www.w3.org/2001/XMLSchema-instance" xmlns:pc="http://schemas.microsoft.com/office/infopath/2007/PartnerControls">
+  <documentManagement>
+    <Status xmlns="71af3243-3dd4-4a8d-8c0d-dd76da1f02a5">Not started</Status>
+    <MediaServiceKeyPoints xmlns="71af3243-3dd4-4a8d-8c0d-dd76da1f02a5" xsi:nil="true"/>
+  </documentManagement>
+</p:properties>
 </file>
 
 <file path=customXml/item2.xml><?xml version="1.0" encoding="utf-8"?>
@@ -18332,18 +18406,20 @@
 </file>
 
 <file path=customXml/item3.xml><?xml version="1.0" encoding="utf-8"?>
-<p:properties xmlns:p="http://schemas.microsoft.com/office/2006/metadata/properties" xmlns:xsi="http://www.w3.org/2001/XMLSchema-instance" xmlns:pc="http://schemas.microsoft.com/office/infopath/2007/PartnerControls">
-  <documentManagement>
-    <Status xmlns="71af3243-3dd4-4a8d-8c0d-dd76da1f02a5">Not started</Status>
-    <MediaServiceKeyPoints xmlns="71af3243-3dd4-4a8d-8c0d-dd76da1f02a5" xsi:nil="true"/>
-  </documentManagement>
-</p:properties>
+<?mso-contentType ?>
+<FormTemplates xmlns="http://schemas.microsoft.com/sharepoint/v3/contenttype/forms">
+  <Display>DocumentLibraryForm</Display>
+  <Edit>DocumentLibraryForm</Edit>
+  <New>DocumentLibraryForm</New>
+</FormTemplates>
 </file>
 
 <file path=customXml/itemProps1.xml><?xml version="1.0" encoding="utf-8"?>
-<ds:datastoreItem xmlns:ds="http://schemas.openxmlformats.org/officeDocument/2006/customXml" ds:itemID="{64B270AB-C138-415C-897E-3C24487DECF1}">
+<ds:datastoreItem xmlns:ds="http://schemas.openxmlformats.org/officeDocument/2006/customXml" ds:itemID="{2C4C00F4-06E9-43E3-AD97-88A857CEFA82}">
   <ds:schemaRefs>
-    <ds:schemaRef ds:uri="http://schemas.microsoft.com/sharepoint/v3/contenttype/forms"/>
+    <ds:schemaRef ds:uri="http://schemas.microsoft.com/office/2006/metadata/properties"/>
+    <ds:schemaRef ds:uri="http://schemas.microsoft.com/office/infopath/2007/PartnerControls"/>
+    <ds:schemaRef ds:uri="71af3243-3dd4-4a8d-8c0d-dd76da1f02a5"/>
   </ds:schemaRefs>
 </ds:datastoreItem>
 </file>
@@ -18368,11 +18444,9 @@
 </file>
 
 <file path=customXml/itemProps3.xml><?xml version="1.0" encoding="utf-8"?>
-<ds:datastoreItem xmlns:ds="http://schemas.openxmlformats.org/officeDocument/2006/customXml" ds:itemID="{2C4C00F4-06E9-43E3-AD97-88A857CEFA82}">
+<ds:datastoreItem xmlns:ds="http://schemas.openxmlformats.org/officeDocument/2006/customXml" ds:itemID="{64B270AB-C138-415C-897E-3C24487DECF1}">
   <ds:schemaRefs>
-    <ds:schemaRef ds:uri="http://schemas.microsoft.com/office/2006/metadata/properties"/>
-    <ds:schemaRef ds:uri="http://schemas.microsoft.com/office/infopath/2007/PartnerControls"/>
-    <ds:schemaRef ds:uri="71af3243-3dd4-4a8d-8c0d-dd76da1f02a5"/>
+    <ds:schemaRef ds:uri="http://schemas.microsoft.com/sharepoint/v3/contenttype/forms"/>
   </ds:schemaRefs>
 </ds:datastoreItem>
 </file>